--- a/Презентация 15.pptx
+++ b/Презентация 15.pptx
@@ -127,7 +127,7 @@
 <p1510:revInfo xmlns:a="http://schemas.openxmlformats.org/drawingml/2006/main" xmlns:r="http://schemas.openxmlformats.org/officeDocument/2006/relationships" xmlns:p1510="http://schemas.microsoft.com/office/powerpoint/2015/10/main">
   <p1510:revLst>
     <p1510:client id="{784F194F-67FE-819B-8B3C-77106B9E826B}" v="469" dt="2024-05-24T12:56:51.628"/>
-    <p1510:client id="{F7F28668-2C37-D45F-830D-E707120C13C7}" v="307" dt="2024-05-24T15:26:34.648"/>
+    <p1510:client id="{F7F28668-2C37-D45F-830D-E707120C13C7}" v="317" dt="2024-05-24T15:45:11.920"/>
   </p1510:revLst>
 </p1510:revInfo>
 </file>
@@ -12672,7 +12672,7 @@
               <a:buNone/>
             </a:pPr>
             <a:r>
-              <a:rPr lang="en-US" sz="1300" err="1"/>
+              <a:rPr lang="en-US" sz="1300" dirty="0" err="1"/>
               <a:t>Наш</a:t>
             </a:r>
             <a:r>
@@ -12680,7 +12680,7 @@
               <a:t> </a:t>
             </a:r>
             <a:r>
-              <a:rPr lang="en-US" sz="1300" err="1"/>
+              <a:rPr lang="en-US" sz="1300" dirty="0" err="1"/>
               <a:t>выбор</a:t>
             </a:r>
             <a:r>
@@ -12688,7 +12688,7 @@
               <a:t> </a:t>
             </a:r>
             <a:r>
-              <a:rPr lang="en-US" sz="1300" err="1"/>
+              <a:rPr lang="en-US" sz="1300" dirty="0" err="1"/>
               <a:t>остоновился</a:t>
             </a:r>
             <a:r>
@@ -12696,7 +12696,7 @@
               <a:t> </a:t>
             </a:r>
             <a:r>
-              <a:rPr lang="en-US" sz="1300" err="1"/>
+              <a:rPr lang="en-US" sz="1300" dirty="0" err="1"/>
               <a:t>на</a:t>
             </a:r>
             <a:r>
@@ -12710,11 +12710,11 @@
               <a:buChar char="-"/>
             </a:pPr>
             <a:r>
-              <a:rPr lang="en-US" sz="1300" err="1">
-                <a:ea typeface="+mn-lt"/>
-                <a:cs typeface="+mn-lt"/>
-              </a:rPr>
-              <a:t>Статическая</a:t>
+              <a:rPr lang="en-US" sz="1300" dirty="0" err="1">
+                <a:ea typeface="+mn-lt"/>
+                <a:cs typeface="+mn-lt"/>
+              </a:rPr>
+              <a:t>Удобная</a:t>
             </a:r>
             <a:r>
               <a:rPr lang="en-US" sz="1300" dirty="0">
@@ -12724,25 +12724,39 @@
               <a:t> </a:t>
             </a:r>
             <a:r>
-              <a:rPr lang="en-US" sz="1300" err="1">
-                <a:ea typeface="+mn-lt"/>
-                <a:cs typeface="+mn-lt"/>
-              </a:rPr>
-              <a:t>генерация</a:t>
+              <a:rPr lang="en-US" sz="1300" dirty="0" err="1">
+                <a:ea typeface="+mn-lt"/>
+                <a:cs typeface="+mn-lt"/>
+              </a:rPr>
+              <a:t>работа</a:t>
             </a:r>
             <a:r>
               <a:rPr lang="en-US" sz="1300" dirty="0">
                 <a:ea typeface="+mn-lt"/>
                 <a:cs typeface="+mn-lt"/>
               </a:rPr>
+              <a:t> с </a:t>
+            </a:r>
+            <a:r>
+              <a:rPr lang="en-US" sz="1300" dirty="0" err="1">
+                <a:ea typeface="+mn-lt"/>
+                <a:cs typeface="+mn-lt"/>
+              </a:rPr>
+              <a:t>данными</a:t>
+            </a:r>
+            <a:r>
+              <a:rPr lang="en-US" sz="1300" dirty="0">
+                <a:ea typeface="+mn-lt"/>
+                <a:cs typeface="+mn-lt"/>
+              </a:rPr>
               <a:t>: Next.js </a:t>
             </a:r>
             <a:r>
-              <a:rPr lang="en-US" sz="1300" err="1">
-                <a:ea typeface="+mn-lt"/>
-                <a:cs typeface="+mn-lt"/>
-              </a:rPr>
-              <a:t>позволяет</a:t>
+              <a:rPr lang="en-US" sz="1300" dirty="0" err="1">
+                <a:ea typeface="+mn-lt"/>
+                <a:cs typeface="+mn-lt"/>
+              </a:rPr>
+              <a:t>обладает</a:t>
             </a:r>
             <a:r>
               <a:rPr lang="en-US" sz="1300" dirty="0">
@@ -12752,39 +12766,81 @@
               <a:t> </a:t>
             </a:r>
             <a:r>
-              <a:rPr lang="en-US" sz="1300" err="1">
-                <a:ea typeface="+mn-lt"/>
-                <a:cs typeface="+mn-lt"/>
-              </a:rPr>
-              <a:t>создавать</a:t>
+              <a:rPr lang="en-US" sz="1300" dirty="0" err="1">
+                <a:ea typeface="+mn-lt"/>
+                <a:cs typeface="+mn-lt"/>
+              </a:rPr>
+              <a:t>удобным</a:t>
             </a:r>
             <a:r>
               <a:rPr lang="en-US" sz="1300" dirty="0">
                 <a:ea typeface="+mn-lt"/>
                 <a:cs typeface="+mn-lt"/>
               </a:rPr>
+              <a:t> API </a:t>
+            </a:r>
+            <a:r>
+              <a:rPr lang="en-US" sz="1300" dirty="0" err="1">
+                <a:ea typeface="+mn-lt"/>
+                <a:cs typeface="+mn-lt"/>
+              </a:rPr>
+              <a:t>для</a:t>
+            </a:r>
+            <a:r>
+              <a:rPr lang="en-US" sz="1300" dirty="0">
+                <a:ea typeface="+mn-lt"/>
+                <a:cs typeface="+mn-lt"/>
+              </a:rPr>
               <a:t> </a:t>
             </a:r>
             <a:r>
-              <a:rPr lang="en-US" sz="1300" err="1">
-                <a:ea typeface="+mn-lt"/>
-                <a:cs typeface="+mn-lt"/>
-              </a:rPr>
-              <a:t>статически</a:t>
+              <a:rPr lang="en-US" sz="1300" dirty="0" err="1">
+                <a:ea typeface="+mn-lt"/>
+                <a:cs typeface="+mn-lt"/>
+              </a:rPr>
+              <a:t>работы</a:t>
             </a:r>
             <a:r>
               <a:rPr lang="en-US" sz="1300" dirty="0">
                 <a:ea typeface="+mn-lt"/>
                 <a:cs typeface="+mn-lt"/>
               </a:rPr>
+              <a:t> с </a:t>
+            </a:r>
+            <a:r>
+              <a:rPr lang="en-US" sz="1300" dirty="0" err="1">
+                <a:ea typeface="+mn-lt"/>
+                <a:cs typeface="+mn-lt"/>
+              </a:rPr>
+              <a:t>данными</a:t>
+            </a:r>
+            <a:r>
+              <a:rPr lang="en-US" sz="1300" dirty="0">
+                <a:ea typeface="+mn-lt"/>
+                <a:cs typeface="+mn-lt"/>
+              </a:rPr>
+              <a:t>, </a:t>
+            </a:r>
+            <a:r>
+              <a:rPr lang="en-US" sz="1300" dirty="0" err="1">
+                <a:ea typeface="+mn-lt"/>
+                <a:cs typeface="+mn-lt"/>
+              </a:rPr>
+              <a:t>что</a:t>
+            </a:r>
+            <a:r>
+              <a:rPr lang="en-US" sz="1300" dirty="0">
+                <a:ea typeface="+mn-lt"/>
+                <a:cs typeface="+mn-lt"/>
+              </a:rPr>
               <a:t> </a:t>
             </a:r>
             <a:r>
-              <a:rPr lang="en-US" sz="1300" err="1">
-                <a:ea typeface="+mn-lt"/>
-                <a:cs typeface="+mn-lt"/>
-              </a:rPr>
-              <a:t>сгенерированные</a:t>
+              <a:rPr lang="en-US" sz="1300" dirty="0" err="1">
+                <a:ea typeface="+mn-lt"/>
+                <a:cs typeface="+mn-lt"/>
+              </a:rPr>
+              <a:t>упрощает</a:t>
             </a:r>
             <a:r>
               <a:rPr lang="en-US" sz="1300" dirty="0">
@@ -12794,25 +12850,39 @@
               <a:t> </a:t>
             </a:r>
             <a:r>
-              <a:rPr lang="en-US" sz="1300" err="1">
-                <a:ea typeface="+mn-lt"/>
-                <a:cs typeface="+mn-lt"/>
-              </a:rPr>
-              <a:t>сайты</a:t>
+              <a:rPr lang="en-US" sz="1300" dirty="0" err="1">
+                <a:ea typeface="+mn-lt"/>
+                <a:cs typeface="+mn-lt"/>
+              </a:rPr>
+              <a:t>подключение</a:t>
             </a:r>
             <a:r>
               <a:rPr lang="en-US" sz="1300" dirty="0">
                 <a:ea typeface="+mn-lt"/>
                 <a:cs typeface="+mn-lt"/>
               </a:rPr>
+              <a:t> к </a:t>
+            </a:r>
+            <a:r>
+              <a:rPr lang="en-US" sz="1300" dirty="0" err="1">
+                <a:ea typeface="+mn-lt"/>
+                <a:cs typeface="+mn-lt"/>
+              </a:rPr>
+              <a:t>серверу</a:t>
+            </a:r>
+            <a:r>
+              <a:rPr lang="en-US" sz="1300" dirty="0">
+                <a:ea typeface="+mn-lt"/>
+                <a:cs typeface="+mn-lt"/>
+              </a:rPr>
               <a:t>, </a:t>
             </a:r>
             <a:r>
-              <a:rPr lang="en-US" sz="1300" err="1">
-                <a:ea typeface="+mn-lt"/>
-                <a:cs typeface="+mn-lt"/>
-              </a:rPr>
-              <a:t>что</a:t>
+              <a:rPr lang="en-US" sz="1300" dirty="0" err="1">
+                <a:ea typeface="+mn-lt"/>
+                <a:cs typeface="+mn-lt"/>
+              </a:rPr>
+              <a:t>базам</a:t>
             </a:r>
             <a:r>
               <a:rPr lang="en-US" sz="1300" dirty="0">
@@ -12822,25 +12892,39 @@
               <a:t> </a:t>
             </a:r>
             <a:r>
-              <a:rPr lang="en-US" sz="1300" err="1">
-                <a:ea typeface="+mn-lt"/>
-                <a:cs typeface="+mn-lt"/>
-              </a:rPr>
-              <a:t>позволяет</a:t>
+              <a:rPr lang="en-US" sz="1300" dirty="0" err="1">
+                <a:ea typeface="+mn-lt"/>
+                <a:cs typeface="+mn-lt"/>
+              </a:rPr>
+              <a:t>данных</a:t>
             </a:r>
             <a:r>
               <a:rPr lang="en-US" sz="1300" dirty="0">
                 <a:ea typeface="+mn-lt"/>
                 <a:cs typeface="+mn-lt"/>
               </a:rPr>
+              <a:t> и </a:t>
+            </a:r>
+            <a:r>
+              <a:rPr lang="en-US" sz="1300" dirty="0" err="1">
+                <a:ea typeface="+mn-lt"/>
+                <a:cs typeface="+mn-lt"/>
+              </a:rPr>
+              <a:t>внешним</a:t>
+            </a:r>
+            <a:r>
+              <a:rPr lang="en-US" sz="1300" dirty="0">
+                <a:ea typeface="+mn-lt"/>
+                <a:cs typeface="+mn-lt"/>
+              </a:rPr>
               <a:t> </a:t>
             </a:r>
             <a:r>
-              <a:rPr lang="en-US" sz="1300" err="1">
-                <a:ea typeface="+mn-lt"/>
-                <a:cs typeface="+mn-lt"/>
-              </a:rPr>
-              <a:t>улучшить</a:t>
+              <a:rPr lang="en-US" sz="1300" dirty="0" err="1">
+                <a:ea typeface="+mn-lt"/>
+                <a:cs typeface="+mn-lt"/>
+              </a:rPr>
+              <a:t>источникам</a:t>
             </a:r>
             <a:r>
               <a:rPr lang="en-US" sz="1300" dirty="0">
@@ -12850,25 +12934,11 @@
               <a:t> </a:t>
             </a:r>
             <a:r>
-              <a:rPr lang="en-US" sz="1300" err="1">
-                <a:ea typeface="+mn-lt"/>
-                <a:cs typeface="+mn-lt"/>
-              </a:rPr>
-              <a:t>производительность</a:t>
-            </a:r>
-            <a:r>
-              <a:rPr lang="en-US" sz="1300" dirty="0">
-                <a:ea typeface="+mn-lt"/>
-                <a:cs typeface="+mn-lt"/>
-              </a:rPr>
-              <a:t> и SEO-</a:t>
-            </a:r>
-            <a:r>
-              <a:rPr lang="en-US" sz="1300" err="1">
-                <a:ea typeface="+mn-lt"/>
-                <a:cs typeface="+mn-lt"/>
-              </a:rPr>
-              <a:t>оптимизацию</a:t>
+              <a:rPr lang="en-US" sz="1300" dirty="0" err="1">
+                <a:ea typeface="+mn-lt"/>
+                <a:cs typeface="+mn-lt"/>
+              </a:rPr>
+              <a:t>данных</a:t>
             </a:r>
             <a:r>
               <a:rPr lang="en-US" sz="1300" dirty="0">
@@ -12889,7 +12959,7 @@
                 <a:ea typeface="+mn-lt"/>
                 <a:cs typeface="+mn-lt"/>
               </a:rPr>
-              <a:t>Удобная</a:t>
+              <a:t>Рендеринг</a:t>
             </a:r>
             <a:r>
               <a:rPr lang="en-US" sz="1300" dirty="0">
@@ -12903,27 +12973,41 @@
                 <a:ea typeface="+mn-lt"/>
                 <a:cs typeface="+mn-lt"/>
               </a:rPr>
-              <a:t>работа</a:t>
+              <a:t>на</a:t>
             </a:r>
             <a:r>
               <a:rPr lang="en-US" sz="1300" dirty="0">
                 <a:ea typeface="+mn-lt"/>
                 <a:cs typeface="+mn-lt"/>
               </a:rPr>
-              <a:t> с </a:t>
+              <a:t> </a:t>
             </a:r>
             <a:r>
               <a:rPr lang="en-US" sz="1300" err="1">
                 <a:ea typeface="+mn-lt"/>
                 <a:cs typeface="+mn-lt"/>
               </a:rPr>
-              <a:t>данными</a:t>
+              <a:t>стороне</a:t>
             </a:r>
             <a:r>
               <a:rPr lang="en-US" sz="1300" dirty="0">
                 <a:ea typeface="+mn-lt"/>
                 <a:cs typeface="+mn-lt"/>
               </a:rPr>
+              <a:t> </a:t>
+            </a:r>
+            <a:r>
+              <a:rPr lang="en-US" sz="1300" err="1">
+                <a:ea typeface="+mn-lt"/>
+                <a:cs typeface="+mn-lt"/>
+              </a:rPr>
+              <a:t>сервера</a:t>
+            </a:r>
+            <a:r>
+              <a:rPr lang="en-US" sz="1300" dirty="0">
+                <a:ea typeface="+mn-lt"/>
+                <a:cs typeface="+mn-lt"/>
+              </a:rPr>
               <a:t>: Next.js </a:t>
             </a:r>
             <a:r>
@@ -12931,7 +13015,7 @@
                 <a:ea typeface="+mn-lt"/>
                 <a:cs typeface="+mn-lt"/>
               </a:rPr>
-              <a:t>обладает</a:t>
+              <a:t>позволяет</a:t>
             </a:r>
             <a:r>
               <a:rPr lang="en-US" sz="1300" dirty="0">
@@ -12945,21 +13029,21 @@
                 <a:ea typeface="+mn-lt"/>
                 <a:cs typeface="+mn-lt"/>
               </a:rPr>
-              <a:t>удобным</a:t>
+              <a:t>рендерить</a:t>
             </a:r>
             <a:r>
               <a:rPr lang="en-US" sz="1300" dirty="0">
                 <a:ea typeface="+mn-lt"/>
                 <a:cs typeface="+mn-lt"/>
               </a:rPr>
-              <a:t> API </a:t>
+              <a:t> </a:t>
             </a:r>
             <a:r>
               <a:rPr lang="en-US" sz="1300" err="1">
                 <a:ea typeface="+mn-lt"/>
                 <a:cs typeface="+mn-lt"/>
               </a:rPr>
-              <a:t>для</a:t>
+              <a:t>страницы</a:t>
             </a:r>
             <a:r>
               <a:rPr lang="en-US" sz="1300" dirty="0">
@@ -12973,27 +13057,41 @@
                 <a:ea typeface="+mn-lt"/>
                 <a:cs typeface="+mn-lt"/>
               </a:rPr>
-              <a:t>работы</a:t>
+              <a:t>на</a:t>
             </a:r>
             <a:r>
               <a:rPr lang="en-US" sz="1300" dirty="0">
                 <a:ea typeface="+mn-lt"/>
                 <a:cs typeface="+mn-lt"/>
               </a:rPr>
-              <a:t> с </a:t>
+              <a:t> </a:t>
             </a:r>
             <a:r>
               <a:rPr lang="en-US" sz="1300" err="1">
                 <a:ea typeface="+mn-lt"/>
                 <a:cs typeface="+mn-lt"/>
               </a:rPr>
-              <a:t>данными</a:t>
+              <a:t>стороне</a:t>
             </a:r>
             <a:r>
               <a:rPr lang="en-US" sz="1300" dirty="0">
                 <a:ea typeface="+mn-lt"/>
                 <a:cs typeface="+mn-lt"/>
               </a:rPr>
+              <a:t> </a:t>
+            </a:r>
+            <a:r>
+              <a:rPr lang="en-US" sz="1300" err="1">
+                <a:ea typeface="+mn-lt"/>
+                <a:cs typeface="+mn-lt"/>
+              </a:rPr>
+              <a:t>сервера</a:t>
+            </a:r>
+            <a:r>
+              <a:rPr lang="en-US" sz="1300" dirty="0">
+                <a:ea typeface="+mn-lt"/>
+                <a:cs typeface="+mn-lt"/>
+              </a:rPr>
               <a:t>, </a:t>
             </a:r>
             <a:r>
@@ -13015,7 +13113,7 @@
                 <a:ea typeface="+mn-lt"/>
                 <a:cs typeface="+mn-lt"/>
               </a:rPr>
-              <a:t>упрощает</a:t>
+              <a:t>улучшает</a:t>
             </a:r>
             <a:r>
               <a:rPr lang="en-US" sz="1300" dirty="0">
@@ -13029,35 +13127,35 @@
                 <a:ea typeface="+mn-lt"/>
                 <a:cs typeface="+mn-lt"/>
               </a:rPr>
-              <a:t>подключение</a:t>
+              <a:t>скорость</a:t>
             </a:r>
             <a:r>
               <a:rPr lang="en-US" sz="1300" dirty="0">
                 <a:ea typeface="+mn-lt"/>
                 <a:cs typeface="+mn-lt"/>
               </a:rPr>
-              <a:t> к </a:t>
+              <a:t> </a:t>
             </a:r>
             <a:r>
               <a:rPr lang="en-US" sz="1300" err="1">
                 <a:ea typeface="+mn-lt"/>
                 <a:cs typeface="+mn-lt"/>
               </a:rPr>
-              <a:t>серверу</a:t>
+              <a:t>загрузки</a:t>
             </a:r>
             <a:r>
               <a:rPr lang="en-US" sz="1300" dirty="0">
                 <a:ea typeface="+mn-lt"/>
                 <a:cs typeface="+mn-lt"/>
               </a:rPr>
-              <a:t>, </a:t>
+              <a:t> и </a:t>
             </a:r>
             <a:r>
               <a:rPr lang="en-US" sz="1300" err="1">
                 <a:ea typeface="+mn-lt"/>
                 <a:cs typeface="+mn-lt"/>
               </a:rPr>
-              <a:t>базам</a:t>
+              <a:t>производительность</a:t>
             </a:r>
             <a:r>
               <a:rPr lang="en-US" sz="1300" dirty="0">
@@ -13071,49 +13169,7 @@
                 <a:ea typeface="+mn-lt"/>
                 <a:cs typeface="+mn-lt"/>
               </a:rPr>
-              <a:t>данных</a:t>
-            </a:r>
-            <a:r>
-              <a:rPr lang="en-US" sz="1300" dirty="0">
-                <a:ea typeface="+mn-lt"/>
-                <a:cs typeface="+mn-lt"/>
-              </a:rPr>
-              <a:t> и </a:t>
-            </a:r>
-            <a:r>
-              <a:rPr lang="en-US" sz="1300" err="1">
-                <a:ea typeface="+mn-lt"/>
-                <a:cs typeface="+mn-lt"/>
-              </a:rPr>
-              <a:t>внешним</a:t>
-            </a:r>
-            <a:r>
-              <a:rPr lang="en-US" sz="1300" dirty="0">
-                <a:ea typeface="+mn-lt"/>
-                <a:cs typeface="+mn-lt"/>
-              </a:rPr>
-              <a:t> </a:t>
-            </a:r>
-            <a:r>
-              <a:rPr lang="en-US" sz="1300" err="1">
-                <a:ea typeface="+mn-lt"/>
-                <a:cs typeface="+mn-lt"/>
-              </a:rPr>
-              <a:t>источникам</a:t>
-            </a:r>
-            <a:r>
-              <a:rPr lang="en-US" sz="1300" dirty="0">
-                <a:ea typeface="+mn-lt"/>
-                <a:cs typeface="+mn-lt"/>
-              </a:rPr>
-              <a:t> </a:t>
-            </a:r>
-            <a:r>
-              <a:rPr lang="en-US" sz="1300" err="1">
-                <a:ea typeface="+mn-lt"/>
-                <a:cs typeface="+mn-lt"/>
-              </a:rPr>
-              <a:t>данных</a:t>
+              <a:t>сайта</a:t>
             </a:r>
             <a:r>
               <a:rPr lang="en-US" sz="1300" dirty="0">
@@ -13134,13 +13190,27 @@
                 <a:ea typeface="+mn-lt"/>
                 <a:cs typeface="+mn-lt"/>
               </a:rPr>
-              <a:t>Разработка</a:t>
+              <a:t>Поддержка</a:t>
             </a:r>
             <a:r>
               <a:rPr lang="en-US" sz="1300" dirty="0">
                 <a:ea typeface="+mn-lt"/>
                 <a:cs typeface="+mn-lt"/>
               </a:rPr>
+              <a:t> React: Next.js </a:t>
+            </a:r>
+            <a:r>
+              <a:rPr lang="en-US" sz="1300" err="1">
+                <a:ea typeface="+mn-lt"/>
+                <a:cs typeface="+mn-lt"/>
+              </a:rPr>
+              <a:t>построен</a:t>
+            </a:r>
+            <a:r>
+              <a:rPr lang="en-US" sz="1300" dirty="0">
+                <a:ea typeface="+mn-lt"/>
+                <a:cs typeface="+mn-lt"/>
+              </a:rPr>
               <a:t> </a:t>
             </a:r>
             <a:r>
@@ -13148,7 +13218,7 @@
                 <a:ea typeface="+mn-lt"/>
                 <a:cs typeface="+mn-lt"/>
               </a:rPr>
-              <a:t>без</a:t>
+              <a:t>на</a:t>
             </a:r>
             <a:r>
               <a:rPr lang="en-US" sz="1300" dirty="0">
@@ -13162,27 +13232,41 @@
                 <a:ea typeface="+mn-lt"/>
                 <a:cs typeface="+mn-lt"/>
               </a:rPr>
-              <a:t>конфигурации</a:t>
+              <a:t>основе</a:t>
             </a:r>
             <a:r>
               <a:rPr lang="en-US" sz="1300" dirty="0">
                 <a:ea typeface="+mn-lt"/>
                 <a:cs typeface="+mn-lt"/>
               </a:rPr>
-              <a:t>: Next.js </a:t>
+              <a:t> </a:t>
             </a:r>
             <a:r>
               <a:rPr lang="en-US" sz="1300" err="1">
                 <a:ea typeface="+mn-lt"/>
                 <a:cs typeface="+mn-lt"/>
               </a:rPr>
-              <a:t>предоставляет</a:t>
+              <a:t>фреймворка</a:t>
             </a:r>
             <a:r>
               <a:rPr lang="en-US" sz="1300" dirty="0">
                 <a:ea typeface="+mn-lt"/>
                 <a:cs typeface="+mn-lt"/>
               </a:rPr>
+              <a:t> React, </a:t>
+            </a:r>
+            <a:r>
+              <a:rPr lang="en-US" sz="1300" err="1">
+                <a:ea typeface="+mn-lt"/>
+                <a:cs typeface="+mn-lt"/>
+              </a:rPr>
+              <a:t>что</a:t>
+            </a:r>
+            <a:r>
+              <a:rPr lang="en-US" sz="1300" dirty="0">
+                <a:ea typeface="+mn-lt"/>
+                <a:cs typeface="+mn-lt"/>
+              </a:rPr>
               <a:t> </a:t>
             </a:r>
             <a:r>
@@ -13190,7 +13274,7 @@
                 <a:ea typeface="+mn-lt"/>
                 <a:cs typeface="+mn-lt"/>
               </a:rPr>
-              <a:t>готовую</a:t>
+              <a:t>обеспечивает</a:t>
             </a:r>
             <a:r>
               <a:rPr lang="en-US" sz="1300" dirty="0">
@@ -13204,21 +13288,21 @@
                 <a:ea typeface="+mn-lt"/>
                 <a:cs typeface="+mn-lt"/>
               </a:rPr>
-              <a:t>конфигурацию</a:t>
+              <a:t>быструю</a:t>
             </a:r>
             <a:r>
               <a:rPr lang="en-US" sz="1300" dirty="0">
                 <a:ea typeface="+mn-lt"/>
                 <a:cs typeface="+mn-lt"/>
               </a:rPr>
-              <a:t>, </a:t>
+              <a:t> и </a:t>
             </a:r>
             <a:r>
               <a:rPr lang="en-US" sz="1300" err="1">
                 <a:ea typeface="+mn-lt"/>
                 <a:cs typeface="+mn-lt"/>
               </a:rPr>
-              <a:t>что</a:t>
+              <a:t>эффективную</a:t>
             </a:r>
             <a:r>
               <a:rPr lang="en-US" sz="1300" dirty="0">
@@ -13232,7 +13316,7 @@
                 <a:ea typeface="+mn-lt"/>
                 <a:cs typeface="+mn-lt"/>
               </a:rPr>
-              <a:t>позволяет</a:t>
+              <a:t>разработку</a:t>
             </a:r>
             <a:r>
               <a:rPr lang="en-US" sz="1300" dirty="0">
@@ -13246,105 +13330,7 @@
                 <a:ea typeface="+mn-lt"/>
                 <a:cs typeface="+mn-lt"/>
               </a:rPr>
-              <a:t>разработчикам</a:t>
-            </a:r>
-            <a:r>
-              <a:rPr lang="en-US" sz="1300" dirty="0">
-                <a:ea typeface="+mn-lt"/>
-                <a:cs typeface="+mn-lt"/>
-              </a:rPr>
-              <a:t> </a:t>
-            </a:r>
-            <a:r>
-              <a:rPr lang="en-US" sz="1300" err="1">
-                <a:ea typeface="+mn-lt"/>
-                <a:cs typeface="+mn-lt"/>
-              </a:rPr>
-              <a:t>сосредоточиться</a:t>
-            </a:r>
-            <a:r>
-              <a:rPr lang="en-US" sz="1300" dirty="0">
-                <a:ea typeface="+mn-lt"/>
-                <a:cs typeface="+mn-lt"/>
-              </a:rPr>
-              <a:t> </a:t>
-            </a:r>
-            <a:r>
-              <a:rPr lang="en-US" sz="1300" err="1">
-                <a:ea typeface="+mn-lt"/>
-                <a:cs typeface="+mn-lt"/>
-              </a:rPr>
-              <a:t>на</a:t>
-            </a:r>
-            <a:r>
-              <a:rPr lang="en-US" sz="1300" dirty="0">
-                <a:ea typeface="+mn-lt"/>
-                <a:cs typeface="+mn-lt"/>
-              </a:rPr>
-              <a:t> </a:t>
-            </a:r>
-            <a:r>
-              <a:rPr lang="en-US" sz="1300" err="1">
-                <a:ea typeface="+mn-lt"/>
-                <a:cs typeface="+mn-lt"/>
-              </a:rPr>
-              <a:t>коде</a:t>
-            </a:r>
-            <a:r>
-              <a:rPr lang="en-US" sz="1300" dirty="0">
-                <a:ea typeface="+mn-lt"/>
-                <a:cs typeface="+mn-lt"/>
-              </a:rPr>
-              <a:t>, а </a:t>
-            </a:r>
-            <a:r>
-              <a:rPr lang="en-US" sz="1300" err="1">
-                <a:ea typeface="+mn-lt"/>
-                <a:cs typeface="+mn-lt"/>
-              </a:rPr>
-              <a:t>не</a:t>
-            </a:r>
-            <a:r>
-              <a:rPr lang="en-US" sz="1300" dirty="0">
-                <a:ea typeface="+mn-lt"/>
-                <a:cs typeface="+mn-lt"/>
-              </a:rPr>
-              <a:t> </a:t>
-            </a:r>
-            <a:r>
-              <a:rPr lang="en-US" sz="1300" err="1">
-                <a:ea typeface="+mn-lt"/>
-                <a:cs typeface="+mn-lt"/>
-              </a:rPr>
-              <a:t>на</a:t>
-            </a:r>
-            <a:r>
-              <a:rPr lang="en-US" sz="1300" dirty="0">
-                <a:ea typeface="+mn-lt"/>
-                <a:cs typeface="+mn-lt"/>
-              </a:rPr>
-              <a:t> </a:t>
-            </a:r>
-            <a:r>
-              <a:rPr lang="en-US" sz="1300" err="1">
-                <a:ea typeface="+mn-lt"/>
-                <a:cs typeface="+mn-lt"/>
-              </a:rPr>
-              <a:t>настройках</a:t>
-            </a:r>
-            <a:r>
-              <a:rPr lang="en-US" sz="1300" dirty="0">
-                <a:ea typeface="+mn-lt"/>
-                <a:cs typeface="+mn-lt"/>
-              </a:rPr>
-              <a:t> </a:t>
-            </a:r>
-            <a:r>
-              <a:rPr lang="en-US" sz="1300" err="1">
-                <a:ea typeface="+mn-lt"/>
-                <a:cs typeface="+mn-lt"/>
-              </a:rPr>
-              <a:t>проекта</a:t>
+              <a:t>интерфейсов</a:t>
             </a:r>
             <a:r>
               <a:rPr lang="en-US" sz="1300" dirty="0">
@@ -13361,11 +13347,11 @@
               <a:buChar char="-"/>
             </a:pPr>
             <a:r>
-              <a:rPr lang="en-US" sz="1300" err="1">
-                <a:ea typeface="+mn-lt"/>
-                <a:cs typeface="+mn-lt"/>
-              </a:rPr>
-              <a:t>Рендеринг</a:t>
+              <a:rPr lang="en-US" sz="1300" dirty="0" err="1">
+                <a:ea typeface="+mn-lt"/>
+                <a:cs typeface="+mn-lt"/>
+              </a:rPr>
+              <a:t>Возможность</a:t>
             </a:r>
             <a:r>
               <a:rPr lang="en-US" sz="1300" dirty="0">
@@ -13375,7 +13361,175 @@
               <a:t> </a:t>
             </a:r>
             <a:r>
-              <a:rPr lang="en-US" sz="1300" err="1">
+              <a:rPr lang="en-US" sz="1300" dirty="0" err="1">
+                <a:ea typeface="+mn-lt"/>
+                <a:cs typeface="+mn-lt"/>
+              </a:rPr>
+              <a:t>экспорта</a:t>
+            </a:r>
+            <a:r>
+              <a:rPr lang="en-US" sz="1300" dirty="0">
+                <a:ea typeface="+mn-lt"/>
+                <a:cs typeface="+mn-lt"/>
+              </a:rPr>
+              <a:t> в </a:t>
+            </a:r>
+            <a:r>
+              <a:rPr lang="en-US" sz="1300" dirty="0" err="1">
+                <a:ea typeface="+mn-lt"/>
+                <a:cs typeface="+mn-lt"/>
+              </a:rPr>
+              <a:t>статический</a:t>
+            </a:r>
+            <a:r>
+              <a:rPr lang="en-US" sz="1300" dirty="0">
+                <a:ea typeface="+mn-lt"/>
+                <a:cs typeface="+mn-lt"/>
+              </a:rPr>
+              <a:t> HTML: Next.js </a:t>
+            </a:r>
+            <a:r>
+              <a:rPr lang="en-US" sz="1300" dirty="0" err="1">
+                <a:ea typeface="+mn-lt"/>
+                <a:cs typeface="+mn-lt"/>
+              </a:rPr>
+              <a:t>позволяет</a:t>
+            </a:r>
+            <a:r>
+              <a:rPr lang="en-US" sz="1300" dirty="0">
+                <a:ea typeface="+mn-lt"/>
+                <a:cs typeface="+mn-lt"/>
+              </a:rPr>
+              <a:t> </a:t>
+            </a:r>
+            <a:r>
+              <a:rPr lang="en-US" sz="1300" dirty="0" err="1">
+                <a:ea typeface="+mn-lt"/>
+                <a:cs typeface="+mn-lt"/>
+              </a:rPr>
+              <a:t>экспортировать</a:t>
+            </a:r>
+            <a:r>
+              <a:rPr lang="en-US" sz="1300" dirty="0">
+                <a:ea typeface="+mn-lt"/>
+                <a:cs typeface="+mn-lt"/>
+              </a:rPr>
+              <a:t> </a:t>
+            </a:r>
+            <a:r>
+              <a:rPr lang="en-US" sz="1300" dirty="0" err="1">
+                <a:ea typeface="+mn-lt"/>
+                <a:cs typeface="+mn-lt"/>
+              </a:rPr>
+              <a:t>проект</a:t>
+            </a:r>
+            <a:r>
+              <a:rPr lang="en-US" sz="1300" dirty="0">
+                <a:ea typeface="+mn-lt"/>
+                <a:cs typeface="+mn-lt"/>
+              </a:rPr>
+              <a:t> в </a:t>
+            </a:r>
+            <a:r>
+              <a:rPr lang="en-US" sz="1300" dirty="0" err="1">
+                <a:ea typeface="+mn-lt"/>
+                <a:cs typeface="+mn-lt"/>
+              </a:rPr>
+              <a:t>статический</a:t>
+            </a:r>
+            <a:r>
+              <a:rPr lang="en-US" sz="1300" dirty="0">
+                <a:ea typeface="+mn-lt"/>
+                <a:cs typeface="+mn-lt"/>
+              </a:rPr>
+              <a:t> HTML, </a:t>
+            </a:r>
+            <a:r>
+              <a:rPr lang="en-US" sz="1300" dirty="0" err="1">
+                <a:ea typeface="+mn-lt"/>
+                <a:cs typeface="+mn-lt"/>
+              </a:rPr>
+              <a:t>что</a:t>
+            </a:r>
+            <a:r>
+              <a:rPr lang="en-US" sz="1300" dirty="0">
+                <a:ea typeface="+mn-lt"/>
+                <a:cs typeface="+mn-lt"/>
+              </a:rPr>
+              <a:t> </a:t>
+            </a:r>
+            <a:r>
+              <a:rPr lang="en-US" sz="1300" dirty="0" err="1">
+                <a:ea typeface="+mn-lt"/>
+                <a:cs typeface="+mn-lt"/>
+              </a:rPr>
+              <a:t>делает</a:t>
+            </a:r>
+            <a:r>
+              <a:rPr lang="en-US" sz="1300" dirty="0">
+                <a:ea typeface="+mn-lt"/>
+                <a:cs typeface="+mn-lt"/>
+              </a:rPr>
+              <a:t> </a:t>
+            </a:r>
+            <a:r>
+              <a:rPr lang="en-US" sz="1300" dirty="0" err="1">
+                <a:ea typeface="+mn-lt"/>
+                <a:cs typeface="+mn-lt"/>
+              </a:rPr>
+              <a:t>его</a:t>
+            </a:r>
+            <a:r>
+              <a:rPr lang="en-US" sz="1300" dirty="0">
+                <a:ea typeface="+mn-lt"/>
+                <a:cs typeface="+mn-lt"/>
+              </a:rPr>
+              <a:t> </a:t>
+            </a:r>
+            <a:r>
+              <a:rPr lang="en-US" sz="1300" dirty="0" err="1">
+                <a:ea typeface="+mn-lt"/>
+                <a:cs typeface="+mn-lt"/>
+              </a:rPr>
+              <a:t>легким</a:t>
+            </a:r>
+            <a:r>
+              <a:rPr lang="en-US" sz="1300" dirty="0">
+                <a:ea typeface="+mn-lt"/>
+                <a:cs typeface="+mn-lt"/>
+              </a:rPr>
+              <a:t> </a:t>
+            </a:r>
+            <a:r>
+              <a:rPr lang="en-US" sz="1300" dirty="0" err="1">
+                <a:ea typeface="+mn-lt"/>
+                <a:cs typeface="+mn-lt"/>
+              </a:rPr>
+              <a:t>для</a:t>
+            </a:r>
+            <a:r>
+              <a:rPr lang="en-US" sz="1300" dirty="0">
+                <a:ea typeface="+mn-lt"/>
+                <a:cs typeface="+mn-lt"/>
+              </a:rPr>
+              <a:t> </a:t>
+            </a:r>
+            <a:r>
+              <a:rPr lang="en-US" sz="1300" dirty="0" err="1">
+                <a:ea typeface="+mn-lt"/>
+                <a:cs typeface="+mn-lt"/>
+              </a:rPr>
+              <a:t>развертывания</a:t>
+            </a:r>
+            <a:r>
+              <a:rPr lang="en-US" sz="1300" dirty="0">
+                <a:ea typeface="+mn-lt"/>
+                <a:cs typeface="+mn-lt"/>
+              </a:rPr>
+              <a:t> </a:t>
+            </a:r>
+            <a:r>
+              <a:rPr lang="en-US" sz="1300" dirty="0" err="1">
                 <a:ea typeface="+mn-lt"/>
                 <a:cs typeface="+mn-lt"/>
               </a:rPr>
@@ -13389,11 +13543,11 @@
               <a:t> </a:t>
             </a:r>
             <a:r>
-              <a:rPr lang="en-US" sz="1300" err="1">
-                <a:ea typeface="+mn-lt"/>
-                <a:cs typeface="+mn-lt"/>
-              </a:rPr>
-              <a:t>стороне</a:t>
+              <a:rPr lang="en-US" sz="1300" dirty="0" err="1">
+                <a:ea typeface="+mn-lt"/>
+                <a:cs typeface="+mn-lt"/>
+              </a:rPr>
+              <a:t>любом</a:t>
             </a:r>
             <a:r>
               <a:rPr lang="en-US" sz="1300" dirty="0">
@@ -13403,732 +13557,11 @@
               <a:t> </a:t>
             </a:r>
             <a:r>
-              <a:rPr lang="en-US" sz="1300" err="1">
-                <a:ea typeface="+mn-lt"/>
-                <a:cs typeface="+mn-lt"/>
-              </a:rPr>
-              <a:t>сервера</a:t>
-            </a:r>
-            <a:r>
-              <a:rPr lang="en-US" sz="1300" dirty="0">
-                <a:ea typeface="+mn-lt"/>
-                <a:cs typeface="+mn-lt"/>
-              </a:rPr>
-              <a:t>: Next.js </a:t>
-            </a:r>
-            <a:r>
-              <a:rPr lang="en-US" sz="1300" err="1">
-                <a:ea typeface="+mn-lt"/>
-                <a:cs typeface="+mn-lt"/>
-              </a:rPr>
-              <a:t>позволяет</a:t>
-            </a:r>
-            <a:r>
-              <a:rPr lang="en-US" sz="1300" dirty="0">
-                <a:ea typeface="+mn-lt"/>
-                <a:cs typeface="+mn-lt"/>
-              </a:rPr>
-              <a:t> </a:t>
-            </a:r>
-            <a:r>
-              <a:rPr lang="en-US" sz="1300" err="1">
-                <a:ea typeface="+mn-lt"/>
-                <a:cs typeface="+mn-lt"/>
-              </a:rPr>
-              <a:t>рендерить</a:t>
-            </a:r>
-            <a:r>
-              <a:rPr lang="en-US" sz="1300" dirty="0">
-                <a:ea typeface="+mn-lt"/>
-                <a:cs typeface="+mn-lt"/>
-              </a:rPr>
-              <a:t> </a:t>
-            </a:r>
-            <a:r>
-              <a:rPr lang="en-US" sz="1300" err="1">
-                <a:ea typeface="+mn-lt"/>
-                <a:cs typeface="+mn-lt"/>
-              </a:rPr>
-              <a:t>страницы</a:t>
-            </a:r>
-            <a:r>
-              <a:rPr lang="en-US" sz="1300" dirty="0">
-                <a:ea typeface="+mn-lt"/>
-                <a:cs typeface="+mn-lt"/>
-              </a:rPr>
-              <a:t> </a:t>
-            </a:r>
-            <a:r>
-              <a:rPr lang="en-US" sz="1300" err="1">
-                <a:ea typeface="+mn-lt"/>
-                <a:cs typeface="+mn-lt"/>
-              </a:rPr>
-              <a:t>на</a:t>
-            </a:r>
-            <a:r>
-              <a:rPr lang="en-US" sz="1300" dirty="0">
-                <a:ea typeface="+mn-lt"/>
-                <a:cs typeface="+mn-lt"/>
-              </a:rPr>
-              <a:t> </a:t>
-            </a:r>
-            <a:r>
-              <a:rPr lang="en-US" sz="1300" err="1">
-                <a:ea typeface="+mn-lt"/>
-                <a:cs typeface="+mn-lt"/>
-              </a:rPr>
-              <a:t>стороне</a:t>
-            </a:r>
-            <a:r>
-              <a:rPr lang="en-US" sz="1300" dirty="0">
-                <a:ea typeface="+mn-lt"/>
-                <a:cs typeface="+mn-lt"/>
-              </a:rPr>
-              <a:t> </a:t>
-            </a:r>
-            <a:r>
-              <a:rPr lang="en-US" sz="1300" err="1">
-                <a:ea typeface="+mn-lt"/>
-                <a:cs typeface="+mn-lt"/>
-              </a:rPr>
-              <a:t>сервера</a:t>
-            </a:r>
-            <a:r>
-              <a:rPr lang="en-US" sz="1300" dirty="0">
-                <a:ea typeface="+mn-lt"/>
-                <a:cs typeface="+mn-lt"/>
-              </a:rPr>
-              <a:t>, </a:t>
-            </a:r>
-            <a:r>
-              <a:rPr lang="en-US" sz="1300" err="1">
-                <a:ea typeface="+mn-lt"/>
-                <a:cs typeface="+mn-lt"/>
-              </a:rPr>
-              <a:t>что</a:t>
-            </a:r>
-            <a:r>
-              <a:rPr lang="en-US" sz="1300" dirty="0">
-                <a:ea typeface="+mn-lt"/>
-                <a:cs typeface="+mn-lt"/>
-              </a:rPr>
-              <a:t> </a:t>
-            </a:r>
-            <a:r>
-              <a:rPr lang="en-US" sz="1300" err="1">
-                <a:ea typeface="+mn-lt"/>
-                <a:cs typeface="+mn-lt"/>
-              </a:rPr>
-              <a:t>улучшает</a:t>
-            </a:r>
-            <a:r>
-              <a:rPr lang="en-US" sz="1300" dirty="0">
-                <a:ea typeface="+mn-lt"/>
-                <a:cs typeface="+mn-lt"/>
-              </a:rPr>
-              <a:t> </a:t>
-            </a:r>
-            <a:r>
-              <a:rPr lang="en-US" sz="1300" err="1">
-                <a:ea typeface="+mn-lt"/>
-                <a:cs typeface="+mn-lt"/>
-              </a:rPr>
-              <a:t>скорость</a:t>
-            </a:r>
-            <a:r>
-              <a:rPr lang="en-US" sz="1300" dirty="0">
-                <a:ea typeface="+mn-lt"/>
-                <a:cs typeface="+mn-lt"/>
-              </a:rPr>
-              <a:t> </a:t>
-            </a:r>
-            <a:r>
-              <a:rPr lang="en-US" sz="1300" err="1">
-                <a:ea typeface="+mn-lt"/>
-                <a:cs typeface="+mn-lt"/>
-              </a:rPr>
-              <a:t>загрузки</a:t>
-            </a:r>
-            <a:r>
-              <a:rPr lang="en-US" sz="1300" dirty="0">
-                <a:ea typeface="+mn-lt"/>
-                <a:cs typeface="+mn-lt"/>
-              </a:rPr>
-              <a:t> и </a:t>
-            </a:r>
-            <a:r>
-              <a:rPr lang="en-US" sz="1300" err="1">
-                <a:ea typeface="+mn-lt"/>
-                <a:cs typeface="+mn-lt"/>
-              </a:rPr>
-              <a:t>производительность</a:t>
-            </a:r>
-            <a:r>
-              <a:rPr lang="en-US" sz="1300" dirty="0">
-                <a:ea typeface="+mn-lt"/>
-                <a:cs typeface="+mn-lt"/>
-              </a:rPr>
-              <a:t> </a:t>
-            </a:r>
-            <a:r>
-              <a:rPr lang="en-US" sz="1300" err="1">
-                <a:ea typeface="+mn-lt"/>
-                <a:cs typeface="+mn-lt"/>
-              </a:rPr>
-              <a:t>сайта</a:t>
-            </a:r>
-            <a:r>
-              <a:rPr lang="en-US" sz="1300" dirty="0">
-                <a:ea typeface="+mn-lt"/>
-                <a:cs typeface="+mn-lt"/>
-              </a:rPr>
-              <a:t>.</a:t>
-            </a:r>
-            <a:endParaRPr lang="en-US" sz="1300" dirty="0"/>
-          </a:p>
-          <a:p>
-            <a:pPr>
-              <a:buFont typeface="Neue Haas Grotesk Text Pro"/>
-              <a:buChar char="-"/>
-            </a:pPr>
-            <a:r>
-              <a:rPr lang="en-US" sz="1300" err="1">
-                <a:ea typeface="+mn-lt"/>
-                <a:cs typeface="+mn-lt"/>
-              </a:rPr>
-              <a:t>Поддержка</a:t>
-            </a:r>
-            <a:r>
-              <a:rPr lang="en-US" sz="1300" dirty="0">
-                <a:ea typeface="+mn-lt"/>
-                <a:cs typeface="+mn-lt"/>
-              </a:rPr>
-              <a:t> React: Next.js </a:t>
-            </a:r>
-            <a:r>
-              <a:rPr lang="en-US" sz="1300" err="1">
-                <a:ea typeface="+mn-lt"/>
-                <a:cs typeface="+mn-lt"/>
-              </a:rPr>
-              <a:t>построен</a:t>
-            </a:r>
-            <a:r>
-              <a:rPr lang="en-US" sz="1300" dirty="0">
-                <a:ea typeface="+mn-lt"/>
-                <a:cs typeface="+mn-lt"/>
-              </a:rPr>
-              <a:t> </a:t>
-            </a:r>
-            <a:r>
-              <a:rPr lang="en-US" sz="1300" err="1">
-                <a:ea typeface="+mn-lt"/>
-                <a:cs typeface="+mn-lt"/>
-              </a:rPr>
-              <a:t>на</a:t>
-            </a:r>
-            <a:r>
-              <a:rPr lang="en-US" sz="1300" dirty="0">
-                <a:ea typeface="+mn-lt"/>
-                <a:cs typeface="+mn-lt"/>
-              </a:rPr>
-              <a:t> </a:t>
-            </a:r>
-            <a:r>
-              <a:rPr lang="en-US" sz="1300" err="1">
-                <a:ea typeface="+mn-lt"/>
-                <a:cs typeface="+mn-lt"/>
-              </a:rPr>
-              <a:t>основе</a:t>
-            </a:r>
-            <a:r>
-              <a:rPr lang="en-US" sz="1300" dirty="0">
-                <a:ea typeface="+mn-lt"/>
-                <a:cs typeface="+mn-lt"/>
-              </a:rPr>
-              <a:t> </a:t>
-            </a:r>
-            <a:r>
-              <a:rPr lang="en-US" sz="1300" err="1">
-                <a:ea typeface="+mn-lt"/>
-                <a:cs typeface="+mn-lt"/>
-              </a:rPr>
-              <a:t>фреймворка</a:t>
-            </a:r>
-            <a:r>
-              <a:rPr lang="en-US" sz="1300" dirty="0">
-                <a:ea typeface="+mn-lt"/>
-                <a:cs typeface="+mn-lt"/>
-              </a:rPr>
-              <a:t> React, </a:t>
-            </a:r>
-            <a:r>
-              <a:rPr lang="en-US" sz="1300" err="1">
-                <a:ea typeface="+mn-lt"/>
-                <a:cs typeface="+mn-lt"/>
-              </a:rPr>
-              <a:t>что</a:t>
-            </a:r>
-            <a:r>
-              <a:rPr lang="en-US" sz="1300" dirty="0">
-                <a:ea typeface="+mn-lt"/>
-                <a:cs typeface="+mn-lt"/>
-              </a:rPr>
-              <a:t> </a:t>
-            </a:r>
-            <a:r>
-              <a:rPr lang="en-US" sz="1300" err="1">
-                <a:ea typeface="+mn-lt"/>
-                <a:cs typeface="+mn-lt"/>
-              </a:rPr>
-              <a:t>обеспечивает</a:t>
-            </a:r>
-            <a:r>
-              <a:rPr lang="en-US" sz="1300" dirty="0">
-                <a:ea typeface="+mn-lt"/>
-                <a:cs typeface="+mn-lt"/>
-              </a:rPr>
-              <a:t> </a:t>
-            </a:r>
-            <a:r>
-              <a:rPr lang="en-US" sz="1300" err="1">
-                <a:ea typeface="+mn-lt"/>
-                <a:cs typeface="+mn-lt"/>
-              </a:rPr>
-              <a:t>быструю</a:t>
-            </a:r>
-            <a:r>
-              <a:rPr lang="en-US" sz="1300" dirty="0">
-                <a:ea typeface="+mn-lt"/>
-                <a:cs typeface="+mn-lt"/>
-              </a:rPr>
-              <a:t> и </a:t>
-            </a:r>
-            <a:r>
-              <a:rPr lang="en-US" sz="1300" err="1">
-                <a:ea typeface="+mn-lt"/>
-                <a:cs typeface="+mn-lt"/>
-              </a:rPr>
-              <a:t>эффективную</a:t>
-            </a:r>
-            <a:r>
-              <a:rPr lang="en-US" sz="1300" dirty="0">
-                <a:ea typeface="+mn-lt"/>
-                <a:cs typeface="+mn-lt"/>
-              </a:rPr>
-              <a:t> </a:t>
-            </a:r>
-            <a:r>
-              <a:rPr lang="en-US" sz="1300" err="1">
-                <a:ea typeface="+mn-lt"/>
-                <a:cs typeface="+mn-lt"/>
-              </a:rPr>
-              <a:t>разработку</a:t>
-            </a:r>
-            <a:r>
-              <a:rPr lang="en-US" sz="1300" dirty="0">
-                <a:ea typeface="+mn-lt"/>
-                <a:cs typeface="+mn-lt"/>
-              </a:rPr>
-              <a:t> </a:t>
-            </a:r>
-            <a:r>
-              <a:rPr lang="en-US" sz="1300" err="1">
-                <a:ea typeface="+mn-lt"/>
-                <a:cs typeface="+mn-lt"/>
-              </a:rPr>
-              <a:t>интерфейсов</a:t>
-            </a:r>
-            <a:r>
-              <a:rPr lang="en-US" sz="1300" dirty="0">
-                <a:ea typeface="+mn-lt"/>
-                <a:cs typeface="+mn-lt"/>
-              </a:rPr>
-              <a:t>.</a:t>
-            </a:r>
-            <a:endParaRPr lang="en-US" sz="1300" dirty="0"/>
-          </a:p>
-          <a:p>
-            <a:pPr>
-              <a:buFont typeface="Neue Haas Grotesk Text Pro"/>
-              <a:buChar char="-"/>
-            </a:pPr>
-            <a:r>
-              <a:rPr lang="en-US" sz="1300" err="1">
-                <a:ea typeface="+mn-lt"/>
-                <a:cs typeface="+mn-lt"/>
-              </a:rPr>
-              <a:t>Возможность</a:t>
-            </a:r>
-            <a:r>
-              <a:rPr lang="en-US" sz="1300" dirty="0">
-                <a:ea typeface="+mn-lt"/>
-                <a:cs typeface="+mn-lt"/>
-              </a:rPr>
-              <a:t> </a:t>
-            </a:r>
-            <a:r>
-              <a:rPr lang="en-US" sz="1300" err="1">
-                <a:ea typeface="+mn-lt"/>
-                <a:cs typeface="+mn-lt"/>
-              </a:rPr>
-              <a:t>экспорта</a:t>
-            </a:r>
-            <a:r>
-              <a:rPr lang="en-US" sz="1300" dirty="0">
-                <a:ea typeface="+mn-lt"/>
-                <a:cs typeface="+mn-lt"/>
-              </a:rPr>
-              <a:t> в </a:t>
-            </a:r>
-            <a:r>
-              <a:rPr lang="en-US" sz="1300" err="1">
-                <a:ea typeface="+mn-lt"/>
-                <a:cs typeface="+mn-lt"/>
-              </a:rPr>
-              <a:t>статический</a:t>
-            </a:r>
-            <a:r>
-              <a:rPr lang="en-US" sz="1300" dirty="0">
-                <a:ea typeface="+mn-lt"/>
-                <a:cs typeface="+mn-lt"/>
-              </a:rPr>
-              <a:t> HTML: Next.js </a:t>
-            </a:r>
-            <a:r>
-              <a:rPr lang="en-US" sz="1300" err="1">
-                <a:ea typeface="+mn-lt"/>
-                <a:cs typeface="+mn-lt"/>
-              </a:rPr>
-              <a:t>позволяет</a:t>
-            </a:r>
-            <a:r>
-              <a:rPr lang="en-US" sz="1300" dirty="0">
-                <a:ea typeface="+mn-lt"/>
-                <a:cs typeface="+mn-lt"/>
-              </a:rPr>
-              <a:t> </a:t>
-            </a:r>
-            <a:r>
-              <a:rPr lang="en-US" sz="1300" err="1">
-                <a:ea typeface="+mn-lt"/>
-                <a:cs typeface="+mn-lt"/>
-              </a:rPr>
-              <a:t>экспортировать</a:t>
-            </a:r>
-            <a:r>
-              <a:rPr lang="en-US" sz="1300" dirty="0">
-                <a:ea typeface="+mn-lt"/>
-                <a:cs typeface="+mn-lt"/>
-              </a:rPr>
-              <a:t> </a:t>
-            </a:r>
-            <a:r>
-              <a:rPr lang="en-US" sz="1300" err="1">
-                <a:ea typeface="+mn-lt"/>
-                <a:cs typeface="+mn-lt"/>
-              </a:rPr>
-              <a:t>проект</a:t>
-            </a:r>
-            <a:r>
-              <a:rPr lang="en-US" sz="1300" dirty="0">
-                <a:ea typeface="+mn-lt"/>
-                <a:cs typeface="+mn-lt"/>
-              </a:rPr>
-              <a:t> в </a:t>
-            </a:r>
-            <a:r>
-              <a:rPr lang="en-US" sz="1300" err="1">
-                <a:ea typeface="+mn-lt"/>
-                <a:cs typeface="+mn-lt"/>
-              </a:rPr>
-              <a:t>статический</a:t>
-            </a:r>
-            <a:r>
-              <a:rPr lang="en-US" sz="1300" dirty="0">
-                <a:ea typeface="+mn-lt"/>
-                <a:cs typeface="+mn-lt"/>
-              </a:rPr>
-              <a:t> HTML, </a:t>
-            </a:r>
-            <a:r>
-              <a:rPr lang="en-US" sz="1300" err="1">
-                <a:ea typeface="+mn-lt"/>
-                <a:cs typeface="+mn-lt"/>
-              </a:rPr>
-              <a:t>что</a:t>
-            </a:r>
-            <a:r>
-              <a:rPr lang="en-US" sz="1300" dirty="0">
-                <a:ea typeface="+mn-lt"/>
-                <a:cs typeface="+mn-lt"/>
-              </a:rPr>
-              <a:t> </a:t>
-            </a:r>
-            <a:r>
-              <a:rPr lang="en-US" sz="1300" err="1">
-                <a:ea typeface="+mn-lt"/>
-                <a:cs typeface="+mn-lt"/>
-              </a:rPr>
-              <a:t>делает</a:t>
-            </a:r>
-            <a:r>
-              <a:rPr lang="en-US" sz="1300" dirty="0">
-                <a:ea typeface="+mn-lt"/>
-                <a:cs typeface="+mn-lt"/>
-              </a:rPr>
-              <a:t> </a:t>
-            </a:r>
-            <a:r>
-              <a:rPr lang="en-US" sz="1300" err="1">
-                <a:ea typeface="+mn-lt"/>
-                <a:cs typeface="+mn-lt"/>
-              </a:rPr>
-              <a:t>его</a:t>
-            </a:r>
-            <a:r>
-              <a:rPr lang="en-US" sz="1300" dirty="0">
-                <a:ea typeface="+mn-lt"/>
-                <a:cs typeface="+mn-lt"/>
-              </a:rPr>
-              <a:t> </a:t>
-            </a:r>
-            <a:r>
-              <a:rPr lang="en-US" sz="1300" err="1">
-                <a:ea typeface="+mn-lt"/>
-                <a:cs typeface="+mn-lt"/>
-              </a:rPr>
-              <a:t>легким</a:t>
-            </a:r>
-            <a:r>
-              <a:rPr lang="en-US" sz="1300" dirty="0">
-                <a:ea typeface="+mn-lt"/>
-                <a:cs typeface="+mn-lt"/>
-              </a:rPr>
-              <a:t> </a:t>
-            </a:r>
-            <a:r>
-              <a:rPr lang="en-US" sz="1300" err="1">
-                <a:ea typeface="+mn-lt"/>
-                <a:cs typeface="+mn-lt"/>
-              </a:rPr>
-              <a:t>для</a:t>
-            </a:r>
-            <a:r>
-              <a:rPr lang="en-US" sz="1300" dirty="0">
-                <a:ea typeface="+mn-lt"/>
-                <a:cs typeface="+mn-lt"/>
-              </a:rPr>
-              <a:t> </a:t>
-            </a:r>
-            <a:r>
-              <a:rPr lang="en-US" sz="1300" err="1">
-                <a:ea typeface="+mn-lt"/>
-                <a:cs typeface="+mn-lt"/>
-              </a:rPr>
-              <a:t>развертывания</a:t>
-            </a:r>
-            <a:r>
-              <a:rPr lang="en-US" sz="1300" dirty="0">
-                <a:ea typeface="+mn-lt"/>
-                <a:cs typeface="+mn-lt"/>
-              </a:rPr>
-              <a:t> </a:t>
-            </a:r>
-            <a:r>
-              <a:rPr lang="en-US" sz="1300" err="1">
-                <a:ea typeface="+mn-lt"/>
-                <a:cs typeface="+mn-lt"/>
-              </a:rPr>
-              <a:t>на</a:t>
-            </a:r>
-            <a:r>
-              <a:rPr lang="en-US" sz="1300" dirty="0">
-                <a:ea typeface="+mn-lt"/>
-                <a:cs typeface="+mn-lt"/>
-              </a:rPr>
-              <a:t> </a:t>
-            </a:r>
-            <a:r>
-              <a:rPr lang="en-US" sz="1300" err="1">
-                <a:ea typeface="+mn-lt"/>
-                <a:cs typeface="+mn-lt"/>
-              </a:rPr>
-              <a:t>любом</a:t>
-            </a:r>
-            <a:r>
-              <a:rPr lang="en-US" sz="1300" dirty="0">
-                <a:ea typeface="+mn-lt"/>
-                <a:cs typeface="+mn-lt"/>
-              </a:rPr>
-              <a:t> </a:t>
-            </a:r>
-            <a:r>
-              <a:rPr lang="en-US" sz="1300" err="1">
+              <a:rPr lang="en-US" sz="1300" dirty="0" err="1">
                 <a:ea typeface="+mn-lt"/>
                 <a:cs typeface="+mn-lt"/>
               </a:rPr>
               <a:t>хостинге</a:t>
-            </a:r>
-            <a:r>
-              <a:rPr lang="en-US" sz="1300" dirty="0">
-                <a:ea typeface="+mn-lt"/>
-                <a:cs typeface="+mn-lt"/>
-              </a:rPr>
-              <a:t>.</a:t>
-            </a:r>
-            <a:endParaRPr lang="en-US" sz="1300" dirty="0"/>
-          </a:p>
-          <a:p>
-            <a:pPr>
-              <a:buFont typeface="Neue Haas Grotesk Text Pro"/>
-              <a:buChar char="-"/>
-            </a:pPr>
-            <a:r>
-              <a:rPr lang="en-US" sz="1300" err="1">
-                <a:ea typeface="+mn-lt"/>
-                <a:cs typeface="+mn-lt"/>
-              </a:rPr>
-              <a:t>Поддержка</a:t>
-            </a:r>
-            <a:r>
-              <a:rPr lang="en-US" sz="1300" dirty="0">
-                <a:ea typeface="+mn-lt"/>
-                <a:cs typeface="+mn-lt"/>
-              </a:rPr>
-              <a:t> Hot Module Replacement: Next.js </a:t>
-            </a:r>
-            <a:r>
-              <a:rPr lang="en-US" sz="1300" err="1">
-                <a:ea typeface="+mn-lt"/>
-                <a:cs typeface="+mn-lt"/>
-              </a:rPr>
-              <a:t>поддерживает</a:t>
-            </a:r>
-            <a:r>
-              <a:rPr lang="en-US" sz="1300" dirty="0">
-                <a:ea typeface="+mn-lt"/>
-                <a:cs typeface="+mn-lt"/>
-              </a:rPr>
-              <a:t> Hot Module Replacement, </a:t>
-            </a:r>
-            <a:r>
-              <a:rPr lang="en-US" sz="1300" err="1">
-                <a:ea typeface="+mn-lt"/>
-                <a:cs typeface="+mn-lt"/>
-              </a:rPr>
-              <a:t>что</a:t>
-            </a:r>
-            <a:r>
-              <a:rPr lang="en-US" sz="1300" dirty="0">
-                <a:ea typeface="+mn-lt"/>
-                <a:cs typeface="+mn-lt"/>
-              </a:rPr>
-              <a:t> </a:t>
-            </a:r>
-            <a:r>
-              <a:rPr lang="en-US" sz="1300" err="1">
-                <a:ea typeface="+mn-lt"/>
-                <a:cs typeface="+mn-lt"/>
-              </a:rPr>
-              <a:t>позволяет</a:t>
-            </a:r>
-            <a:r>
-              <a:rPr lang="en-US" sz="1300" dirty="0">
-                <a:ea typeface="+mn-lt"/>
-                <a:cs typeface="+mn-lt"/>
-              </a:rPr>
-              <a:t> </a:t>
-            </a:r>
-            <a:r>
-              <a:rPr lang="en-US" sz="1300" err="1">
-                <a:ea typeface="+mn-lt"/>
-                <a:cs typeface="+mn-lt"/>
-              </a:rPr>
-              <a:t>мгновенно</a:t>
-            </a:r>
-            <a:r>
-              <a:rPr lang="en-US" sz="1300" dirty="0">
-                <a:ea typeface="+mn-lt"/>
-                <a:cs typeface="+mn-lt"/>
-              </a:rPr>
-              <a:t> </a:t>
-            </a:r>
-            <a:r>
-              <a:rPr lang="en-US" sz="1300" err="1">
-                <a:ea typeface="+mn-lt"/>
-                <a:cs typeface="+mn-lt"/>
-              </a:rPr>
-              <a:t>видеть</a:t>
-            </a:r>
-            <a:r>
-              <a:rPr lang="en-US" sz="1300" dirty="0">
-                <a:ea typeface="+mn-lt"/>
-                <a:cs typeface="+mn-lt"/>
-              </a:rPr>
-              <a:t> </a:t>
-            </a:r>
-            <a:r>
-              <a:rPr lang="en-US" sz="1300" err="1">
-                <a:ea typeface="+mn-lt"/>
-                <a:cs typeface="+mn-lt"/>
-              </a:rPr>
-              <a:t>изменения</a:t>
-            </a:r>
-            <a:r>
-              <a:rPr lang="en-US" sz="1300" dirty="0">
-                <a:ea typeface="+mn-lt"/>
-                <a:cs typeface="+mn-lt"/>
-              </a:rPr>
-              <a:t> в </a:t>
-            </a:r>
-            <a:r>
-              <a:rPr lang="en-US" sz="1300" err="1">
-                <a:ea typeface="+mn-lt"/>
-                <a:cs typeface="+mn-lt"/>
-              </a:rPr>
-              <a:t>коде</a:t>
-            </a:r>
-            <a:r>
-              <a:rPr lang="en-US" sz="1300" dirty="0">
-                <a:ea typeface="+mn-lt"/>
-                <a:cs typeface="+mn-lt"/>
-              </a:rPr>
-              <a:t> </a:t>
-            </a:r>
-            <a:r>
-              <a:rPr lang="en-US" sz="1300" err="1">
-                <a:ea typeface="+mn-lt"/>
-                <a:cs typeface="+mn-lt"/>
-              </a:rPr>
-              <a:t>без</a:t>
-            </a:r>
-            <a:r>
-              <a:rPr lang="en-US" sz="1300" dirty="0">
-                <a:ea typeface="+mn-lt"/>
-                <a:cs typeface="+mn-lt"/>
-              </a:rPr>
-              <a:t> </a:t>
-            </a:r>
-            <a:r>
-              <a:rPr lang="en-US" sz="1300" err="1">
-                <a:ea typeface="+mn-lt"/>
-                <a:cs typeface="+mn-lt"/>
-              </a:rPr>
-              <a:t>перезагрузки</a:t>
-            </a:r>
-            <a:r>
-              <a:rPr lang="en-US" sz="1300" dirty="0">
-                <a:ea typeface="+mn-lt"/>
-                <a:cs typeface="+mn-lt"/>
-              </a:rPr>
-              <a:t> </a:t>
-            </a:r>
-            <a:r>
-              <a:rPr lang="en-US" sz="1300" err="1">
-                <a:ea typeface="+mn-lt"/>
-                <a:cs typeface="+mn-lt"/>
-              </a:rPr>
-              <a:t>страницы</a:t>
             </a:r>
             <a:r>
               <a:rPr lang="en-US" sz="1300" dirty="0">
@@ -15784,162 +15217,6 @@
                             </p:childTnLst>
                           </p:cTn>
                         </p:par>
-                        <p:par>
-                          <p:cTn id="42" fill="hold">
-                            <p:stCondLst>
-                              <p:cond delay="3500"/>
-                            </p:stCondLst>
-                            <p:childTnLst>
-                              <p:par>
-                                <p:cTn id="43" presetID="5" presetClass="entr" presetSubtype="10" fill="hold" grpId="0" nodeType="afterEffect">
-                                  <p:stCondLst>
-                                    <p:cond delay="0"/>
-                                  </p:stCondLst>
-                                  <p:childTnLst>
-                                    <p:set>
-                                      <p:cBhvr>
-                                        <p:cTn id="44" dur="1" fill="hold">
-                                          <p:stCondLst>
-                                            <p:cond delay="0"/>
-                                          </p:stCondLst>
-                                        </p:cTn>
-                                        <p:tgtEl>
-                                          <p:spTgt spid="3">
-                                            <p:txEl>
-                                              <p:pRg st="5" end="5"/>
-                                            </p:txEl>
-                                          </p:spTgt>
-                                        </p:tgtEl>
-                                        <p:attrNameLst>
-                                          <p:attrName>style.visibility</p:attrName>
-                                        </p:attrNameLst>
-                                      </p:cBhvr>
-                                      <p:to>
-                                        <p:strVal val="visible"/>
-                                      </p:to>
-                                    </p:set>
-                                    <p:animEffect transition="in" filter="checkerboard(across)">
-                                      <p:cBhvr>
-                                        <p:cTn id="45" dur="500"/>
-                                        <p:tgtEl>
-                                          <p:spTgt spid="3">
-                                            <p:txEl>
-                                              <p:pRg st="5" end="5"/>
-                                            </p:txEl>
-                                          </p:spTgt>
-                                        </p:tgtEl>
-                                      </p:cBhvr>
-                                    </p:animEffect>
-                                  </p:childTnLst>
-                                </p:cTn>
-                              </p:par>
-                            </p:childTnLst>
-                          </p:cTn>
-                        </p:par>
-                        <p:par>
-                          <p:cTn id="46" fill="hold">
-                            <p:stCondLst>
-                              <p:cond delay="4000"/>
-                            </p:stCondLst>
-                            <p:childTnLst>
-                              <p:par>
-                                <p:cTn id="47" presetID="5" presetClass="entr" presetSubtype="10" fill="hold" grpId="0" nodeType="afterEffect">
-                                  <p:stCondLst>
-                                    <p:cond delay="0"/>
-                                  </p:stCondLst>
-                                  <p:childTnLst>
-                                    <p:set>
-                                      <p:cBhvr>
-                                        <p:cTn id="48" dur="1" fill="hold">
-                                          <p:stCondLst>
-                                            <p:cond delay="0"/>
-                                          </p:stCondLst>
-                                        </p:cTn>
-                                        <p:tgtEl>
-                                          <p:spTgt spid="3">
-                                            <p:txEl>
-                                              <p:pRg st="6" end="6"/>
-                                            </p:txEl>
-                                          </p:spTgt>
-                                        </p:tgtEl>
-                                        <p:attrNameLst>
-                                          <p:attrName>style.visibility</p:attrName>
-                                        </p:attrNameLst>
-                                      </p:cBhvr>
-                                      <p:to>
-                                        <p:strVal val="visible"/>
-                                      </p:to>
-                                    </p:set>
-                                    <p:animEffect transition="in" filter="checkerboard(across)">
-                                      <p:cBhvr>
-                                        <p:cTn id="49" dur="500"/>
-                                        <p:tgtEl>
-                                          <p:spTgt spid="3">
-                                            <p:txEl>
-                                              <p:pRg st="6" end="6"/>
-                                            </p:txEl>
-                                          </p:spTgt>
-                                        </p:tgtEl>
-                                      </p:cBhvr>
-                                    </p:animEffect>
-                                  </p:childTnLst>
-                                </p:cTn>
-                              </p:par>
-                            </p:childTnLst>
-                          </p:cTn>
-                        </p:par>
-                        <p:par>
-                          <p:cTn id="50" fill="hold">
-                            <p:stCondLst>
-                              <p:cond delay="4500"/>
-                            </p:stCondLst>
-                            <p:childTnLst>
-                              <p:par>
-                                <p:cTn id="51" presetID="5" presetClass="entr" presetSubtype="10" fill="hold" grpId="0" nodeType="afterEffect">
-                                  <p:stCondLst>
-                                    <p:cond delay="0"/>
-                                  </p:stCondLst>
-                                  <p:childTnLst>
-                                    <p:set>
-                                      <p:cBhvr>
-                                        <p:cTn id="52" dur="1" fill="hold">
-                                          <p:stCondLst>
-                                            <p:cond delay="0"/>
-                                          </p:stCondLst>
-                                        </p:cTn>
-                                        <p:tgtEl>
-                                          <p:spTgt spid="3">
-                                            <p:txEl>
-                                              <p:pRg st="7" end="7"/>
-                                            </p:txEl>
-                                          </p:spTgt>
-                                        </p:tgtEl>
-                                        <p:attrNameLst>
-                                          <p:attrName>style.visibility</p:attrName>
-                                        </p:attrNameLst>
-                                      </p:cBhvr>
-                                      <p:to>
-                                        <p:strVal val="visible"/>
-                                      </p:to>
-                                    </p:set>
-                                    <p:animEffect transition="in" filter="checkerboard(across)">
-                                      <p:cBhvr>
-                                        <p:cTn id="53" dur="500"/>
-                                        <p:tgtEl>
-                                          <p:spTgt spid="3">
-                                            <p:txEl>
-                                              <p:pRg st="7" end="7"/>
-                                            </p:txEl>
-                                          </p:spTgt>
-                                        </p:tgtEl>
-                                      </p:cBhvr>
-                                    </p:animEffect>
-                                  </p:childTnLst>
-                                </p:cTn>
-                              </p:par>
-                            </p:childTnLst>
-                          </p:cTn>
-                        </p:par>
                       </p:childTnLst>
                     </p:cTn>
                   </p:par>
